--- a/Presentation/Manage account - reset password.pptx
+++ b/Presentation/Manage account - reset password.pptx
@@ -6,6 +6,7 @@
   </p:sldMasterIdLst>
   <p:sldIdLst>
     <p:sldId id="256" r:id="rId2"/>
+    <p:sldId id="257" r:id="rId3"/>
   </p:sldIdLst>
   <p:sldSz cx="9144000" cy="6858000" type="screen4x3"/>
   <p:notesSz cx="6858000" cy="9144000"/>
@@ -189,11 +190,11 @@
           <c:showBubbleSize val="0"/>
         </c:dLbls>
         <c:gapWidth val="150"/>
-        <c:axId val="2123444984"/>
-        <c:axId val="-2129430696"/>
+        <c:axId val="2074373912"/>
+        <c:axId val="2074896424"/>
       </c:barChart>
       <c:catAx>
-        <c:axId val="2123444984"/>
+        <c:axId val="2074373912"/>
         <c:scaling>
           <c:orientation val="minMax"/>
         </c:scaling>
@@ -202,7 +203,7 @@
         <c:majorTickMark val="out"/>
         <c:minorTickMark val="none"/>
         <c:tickLblPos val="nextTo"/>
-        <c:crossAx val="-2129430696"/>
+        <c:crossAx val="2074896424"/>
         <c:crosses val="autoZero"/>
         <c:auto val="1"/>
         <c:lblAlgn val="ctr"/>
@@ -210,7 +211,7 @@
         <c:noMultiLvlLbl val="0"/>
       </c:catAx>
       <c:valAx>
-        <c:axId val="-2129430696"/>
+        <c:axId val="2074896424"/>
         <c:scaling>
           <c:orientation val="minMax"/>
         </c:scaling>
@@ -221,7 +222,7 @@
         <c:majorTickMark val="out"/>
         <c:minorTickMark val="none"/>
         <c:tickLblPos val="nextTo"/>
-        <c:crossAx val="2123444984"/>
+        <c:crossAx val="2074373912"/>
         <c:crosses val="autoZero"/>
         <c:crossBetween val="between"/>
       </c:valAx>
@@ -417,7 +418,7 @@
           <a:p>
             <a:fld id="{C28B4BAD-EC40-F842-8B16-A86F5C9C8178}" type="datetimeFigureOut">
               <a:rPr lang="en-US" smtClean="0"/>
-              <a:t>27/04/15</a:t>
+              <a:t>28/04/15</a:t>
             </a:fld>
             <a:endParaRPr lang="en-US"/>
           </a:p>
@@ -587,7 +588,7 @@
           <a:p>
             <a:fld id="{C28B4BAD-EC40-F842-8B16-A86F5C9C8178}" type="datetimeFigureOut">
               <a:rPr lang="en-US" smtClean="0"/>
-              <a:t>27/04/15</a:t>
+              <a:t>28/04/15</a:t>
             </a:fld>
             <a:endParaRPr lang="en-US"/>
           </a:p>
@@ -767,7 +768,7 @@
           <a:p>
             <a:fld id="{C28B4BAD-EC40-F842-8B16-A86F5C9C8178}" type="datetimeFigureOut">
               <a:rPr lang="en-US" smtClean="0"/>
-              <a:t>27/04/15</a:t>
+              <a:t>28/04/15</a:t>
             </a:fld>
             <a:endParaRPr lang="en-US"/>
           </a:p>
@@ -937,7 +938,7 @@
           <a:p>
             <a:fld id="{C28B4BAD-EC40-F842-8B16-A86F5C9C8178}" type="datetimeFigureOut">
               <a:rPr lang="en-US" smtClean="0"/>
-              <a:t>27/04/15</a:t>
+              <a:t>28/04/15</a:t>
             </a:fld>
             <a:endParaRPr lang="en-US"/>
           </a:p>
@@ -1183,7 +1184,7 @@
           <a:p>
             <a:fld id="{C28B4BAD-EC40-F842-8B16-A86F5C9C8178}" type="datetimeFigureOut">
               <a:rPr lang="en-US" smtClean="0"/>
-              <a:t>27/04/15</a:t>
+              <a:t>28/04/15</a:t>
             </a:fld>
             <a:endParaRPr lang="en-US"/>
           </a:p>
@@ -1471,7 +1472,7 @@
           <a:p>
             <a:fld id="{C28B4BAD-EC40-F842-8B16-A86F5C9C8178}" type="datetimeFigureOut">
               <a:rPr lang="en-US" smtClean="0"/>
-              <a:t>27/04/15</a:t>
+              <a:t>28/04/15</a:t>
             </a:fld>
             <a:endParaRPr lang="en-US"/>
           </a:p>
@@ -1893,7 +1894,7 @@
           <a:p>
             <a:fld id="{C28B4BAD-EC40-F842-8B16-A86F5C9C8178}" type="datetimeFigureOut">
               <a:rPr lang="en-US" smtClean="0"/>
-              <a:t>27/04/15</a:t>
+              <a:t>28/04/15</a:t>
             </a:fld>
             <a:endParaRPr lang="en-US"/>
           </a:p>
@@ -2011,7 +2012,7 @@
           <a:p>
             <a:fld id="{C28B4BAD-EC40-F842-8B16-A86F5C9C8178}" type="datetimeFigureOut">
               <a:rPr lang="en-US" smtClean="0"/>
-              <a:t>27/04/15</a:t>
+              <a:t>28/04/15</a:t>
             </a:fld>
             <a:endParaRPr lang="en-US"/>
           </a:p>
@@ -2106,7 +2107,7 @@
           <a:p>
             <a:fld id="{C28B4BAD-EC40-F842-8B16-A86F5C9C8178}" type="datetimeFigureOut">
               <a:rPr lang="en-US" smtClean="0"/>
-              <a:t>27/04/15</a:t>
+              <a:t>28/04/15</a:t>
             </a:fld>
             <a:endParaRPr lang="en-US"/>
           </a:p>
@@ -2383,7 +2384,7 @@
           <a:p>
             <a:fld id="{C28B4BAD-EC40-F842-8B16-A86F5C9C8178}" type="datetimeFigureOut">
               <a:rPr lang="en-US" smtClean="0"/>
-              <a:t>27/04/15</a:t>
+              <a:t>28/04/15</a:t>
             </a:fld>
             <a:endParaRPr lang="en-US"/>
           </a:p>
@@ -2636,7 +2637,7 @@
           <a:p>
             <a:fld id="{C28B4BAD-EC40-F842-8B16-A86F5C9C8178}" type="datetimeFigureOut">
               <a:rPr lang="en-US" smtClean="0"/>
-              <a:t>27/04/15</a:t>
+              <a:t>28/04/15</a:t>
             </a:fld>
             <a:endParaRPr lang="en-US"/>
           </a:p>
@@ -2849,7 +2850,7 @@
           <a:p>
             <a:fld id="{C28B4BAD-EC40-F842-8B16-A86F5C9C8178}" type="datetimeFigureOut">
               <a:rPr lang="en-US" smtClean="0"/>
-              <a:t>27/04/15</a:t>
+              <a:t>28/04/15</a:t>
             </a:fld>
             <a:endParaRPr lang="en-US"/>
           </a:p>
@@ -3569,6 +3570,213 @@
     <p:extLst>
       <p:ext uri="{BB962C8B-B14F-4D97-AF65-F5344CB8AC3E}">
         <p14:creationId xmlns:p14="http://schemas.microsoft.com/office/powerpoint/2010/main" val="396894736"/>
+      </p:ext>
+    </p:extLst>
+  </p:cSld>
+  <p:clrMapOvr>
+    <a:masterClrMapping/>
+  </p:clrMapOvr>
+</p:sld>
+</file>
+
+<file path=ppt/slides/slide2.xml><?xml version="1.0" encoding="utf-8"?>
+<p:sld xmlns:a="http://schemas.openxmlformats.org/drawingml/2006/main" xmlns:r="http://schemas.openxmlformats.org/officeDocument/2006/relationships" xmlns:p="http://schemas.openxmlformats.org/presentationml/2006/main">
+  <p:cSld>
+    <p:spTree>
+      <p:nvGrpSpPr>
+        <p:cNvPr id="1" name=""/>
+        <p:cNvGrpSpPr/>
+        <p:nvPr/>
+      </p:nvGrpSpPr>
+      <p:grpSpPr>
+        <a:xfrm>
+          <a:off x="0" y="0"/>
+          <a:ext cx="0" cy="0"/>
+          <a:chOff x="0" y="0"/>
+          <a:chExt cx="0" cy="0"/>
+        </a:xfrm>
+      </p:grpSpPr>
+      <p:sp>
+        <p:nvSpPr>
+          <p:cNvPr id="2" name="Title 1"/>
+          <p:cNvSpPr>
+            <a:spLocks noGrp="1"/>
+          </p:cNvSpPr>
+          <p:nvPr>
+            <p:ph type="title"/>
+          </p:nvPr>
+        </p:nvSpPr>
+        <p:spPr>
+          <a:xfrm>
+            <a:off x="457200" y="115449"/>
+            <a:ext cx="8229600" cy="718350"/>
+          </a:xfrm>
+        </p:spPr>
+        <p:txBody>
+          <a:bodyPr>
+            <a:normAutofit fontScale="90000"/>
+          </a:bodyPr>
+          <a:lstStyle/>
+          <a:p>
+            <a:r>
+              <a:rPr lang="en-US" dirty="0" smtClean="0"/>
+              <a:t>Login</a:t>
+            </a:r>
+            <a:endParaRPr lang="en-US" dirty="0"/>
+          </a:p>
+        </p:txBody>
+      </p:sp>
+      <p:sp>
+        <p:nvSpPr>
+          <p:cNvPr id="3" name="Content Placeholder 2"/>
+          <p:cNvSpPr>
+            <a:spLocks noGrp="1"/>
+          </p:cNvSpPr>
+          <p:nvPr>
+            <p:ph idx="1"/>
+          </p:nvPr>
+        </p:nvSpPr>
+        <p:spPr>
+          <a:xfrm>
+            <a:off x="277592" y="1429475"/>
+            <a:ext cx="4854080" cy="4355810"/>
+          </a:xfrm>
+        </p:spPr>
+        <p:txBody>
+          <a:bodyPr>
+            <a:normAutofit/>
+          </a:bodyPr>
+          <a:lstStyle/>
+          <a:p>
+            <a:r>
+              <a:rPr lang="en-US" sz="2000" dirty="0" smtClean="0"/>
+              <a:t>Login page is mostly well structured</a:t>
+            </a:r>
+          </a:p>
+          <a:p>
+            <a:endParaRPr lang="en-US" sz="2000" dirty="0"/>
+          </a:p>
+          <a:p>
+            <a:r>
+              <a:rPr lang="en-US" sz="2000" dirty="0" smtClean="0"/>
+              <a:t>Few problems</a:t>
+            </a:r>
+          </a:p>
+          <a:p>
+            <a:endParaRPr lang="en-US" sz="2000" dirty="0"/>
+          </a:p>
+          <a:p>
+            <a:r>
+              <a:rPr lang="en-US" sz="2000" dirty="0" smtClean="0"/>
+              <a:t>User able to login with password less than specified 6 characters</a:t>
+            </a:r>
+          </a:p>
+          <a:p>
+            <a:endParaRPr lang="en-US" sz="2000" dirty="0"/>
+          </a:p>
+          <a:p>
+            <a:r>
+              <a:rPr lang="en-US" sz="2000" dirty="0" smtClean="0"/>
+              <a:t>Validation is server side rather than client side.</a:t>
+            </a:r>
+            <a:endParaRPr lang="en-US" sz="2000" dirty="0"/>
+          </a:p>
+        </p:txBody>
+      </p:sp>
+      <p:pic>
+        <p:nvPicPr>
+          <p:cNvPr id="4" name="Picture 3" descr="Screen Shot 2015-04-28 at 09.28.18.png"/>
+          <p:cNvPicPr>
+            <a:picLocks noChangeAspect="1"/>
+          </p:cNvPicPr>
+          <p:nvPr/>
+        </p:nvPicPr>
+        <p:blipFill>
+          <a:blip r:embed="rId2">
+            <a:extLst>
+              <a:ext uri="{28A0092B-C50C-407E-A947-70E740481C1C}">
+                <a14:useLocalDpi xmlns:a14="http://schemas.microsoft.com/office/drawing/2010/main" val="0"/>
+              </a:ext>
+            </a:extLst>
+          </a:blip>
+          <a:stretch>
+            <a:fillRect/>
+          </a:stretch>
+        </p:blipFill>
+        <p:spPr>
+          <a:xfrm>
+            <a:off x="2260600" y="5952045"/>
+            <a:ext cx="6883400" cy="529718"/>
+          </a:xfrm>
+          <a:prstGeom prst="rect">
+            <a:avLst/>
+          </a:prstGeom>
+        </p:spPr>
+      </p:pic>
+      <p:pic>
+        <p:nvPicPr>
+          <p:cNvPr id="5" name="Picture 4" descr="Screen Shot 2015-04-28 at 09.25.49.png"/>
+          <p:cNvPicPr>
+            <a:picLocks noChangeAspect="1"/>
+          </p:cNvPicPr>
+          <p:nvPr/>
+        </p:nvPicPr>
+        <p:blipFill>
+          <a:blip r:embed="rId3">
+            <a:extLst>
+              <a:ext uri="{28A0092B-C50C-407E-A947-70E740481C1C}">
+                <a14:useLocalDpi xmlns:a14="http://schemas.microsoft.com/office/drawing/2010/main" val="0"/>
+              </a:ext>
+            </a:extLst>
+          </a:blip>
+          <a:stretch>
+            <a:fillRect/>
+          </a:stretch>
+        </p:blipFill>
+        <p:spPr>
+          <a:xfrm>
+            <a:off x="5131673" y="4361412"/>
+            <a:ext cx="4012327" cy="863581"/>
+          </a:xfrm>
+          <a:prstGeom prst="rect">
+            <a:avLst/>
+          </a:prstGeom>
+        </p:spPr>
+      </p:pic>
+      <p:pic>
+        <p:nvPicPr>
+          <p:cNvPr id="6" name="Picture 5" descr="Screen Shot 2015-04-28 at 09.25.30.png"/>
+          <p:cNvPicPr>
+            <a:picLocks noChangeAspect="1"/>
+          </p:cNvPicPr>
+          <p:nvPr/>
+        </p:nvPicPr>
+        <p:blipFill>
+          <a:blip r:embed="rId4">
+            <a:extLst>
+              <a:ext uri="{28A0092B-C50C-407E-A947-70E740481C1C}">
+                <a14:useLocalDpi xmlns:a14="http://schemas.microsoft.com/office/drawing/2010/main" val="0"/>
+              </a:ext>
+            </a:extLst>
+          </a:blip>
+          <a:stretch>
+            <a:fillRect/>
+          </a:stretch>
+        </p:blipFill>
+        <p:spPr>
+          <a:xfrm>
+            <a:off x="5785961" y="1039041"/>
+            <a:ext cx="3156945" cy="2719469"/>
+          </a:xfrm>
+          <a:prstGeom prst="rect">
+            <a:avLst/>
+          </a:prstGeom>
+        </p:spPr>
+      </p:pic>
+    </p:spTree>
+    <p:extLst>
+      <p:ext uri="{BB962C8B-B14F-4D97-AF65-F5344CB8AC3E}">
+        <p14:creationId xmlns:p14="http://schemas.microsoft.com/office/powerpoint/2010/main" val="1964395881"/>
       </p:ext>
     </p:extLst>
   </p:cSld>
